--- a/Simple Models.pptx
+++ b/Simple Models.pptx
@@ -259,7 +259,7 @@
           <a:p>
             <a:fld id="{8E49583D-9681-9447-9EA1-AFF0CC7AEED1}" type="datetimeFigureOut">
               <a:rPr lang="en-US" smtClean="0"/>
-              <a:t>6/6/23</a:t>
+              <a:t>6/11/23</a:t>
             </a:fld>
             <a:endParaRPr lang="en-US"/>
           </a:p>
@@ -457,7 +457,7 @@
           <a:p>
             <a:fld id="{8E49583D-9681-9447-9EA1-AFF0CC7AEED1}" type="datetimeFigureOut">
               <a:rPr lang="en-US" smtClean="0"/>
-              <a:t>6/6/23</a:t>
+              <a:t>6/11/23</a:t>
             </a:fld>
             <a:endParaRPr lang="en-US"/>
           </a:p>
@@ -665,7 +665,7 @@
           <a:p>
             <a:fld id="{8E49583D-9681-9447-9EA1-AFF0CC7AEED1}" type="datetimeFigureOut">
               <a:rPr lang="en-US" smtClean="0"/>
-              <a:t>6/6/23</a:t>
+              <a:t>6/11/23</a:t>
             </a:fld>
             <a:endParaRPr lang="en-US"/>
           </a:p>
@@ -863,7 +863,7 @@
           <a:p>
             <a:fld id="{8E49583D-9681-9447-9EA1-AFF0CC7AEED1}" type="datetimeFigureOut">
               <a:rPr lang="en-US" smtClean="0"/>
-              <a:t>6/6/23</a:t>
+              <a:t>6/11/23</a:t>
             </a:fld>
             <a:endParaRPr lang="en-US"/>
           </a:p>
@@ -1138,7 +1138,7 @@
           <a:p>
             <a:fld id="{8E49583D-9681-9447-9EA1-AFF0CC7AEED1}" type="datetimeFigureOut">
               <a:rPr lang="en-US" smtClean="0"/>
-              <a:t>6/6/23</a:t>
+              <a:t>6/11/23</a:t>
             </a:fld>
             <a:endParaRPr lang="en-US"/>
           </a:p>
@@ -1403,7 +1403,7 @@
           <a:p>
             <a:fld id="{8E49583D-9681-9447-9EA1-AFF0CC7AEED1}" type="datetimeFigureOut">
               <a:rPr lang="en-US" smtClean="0"/>
-              <a:t>6/6/23</a:t>
+              <a:t>6/11/23</a:t>
             </a:fld>
             <a:endParaRPr lang="en-US"/>
           </a:p>
@@ -1815,7 +1815,7 @@
           <a:p>
             <a:fld id="{8E49583D-9681-9447-9EA1-AFF0CC7AEED1}" type="datetimeFigureOut">
               <a:rPr lang="en-US" smtClean="0"/>
-              <a:t>6/6/23</a:t>
+              <a:t>6/11/23</a:t>
             </a:fld>
             <a:endParaRPr lang="en-US"/>
           </a:p>
@@ -1956,7 +1956,7 @@
           <a:p>
             <a:fld id="{8E49583D-9681-9447-9EA1-AFF0CC7AEED1}" type="datetimeFigureOut">
               <a:rPr lang="en-US" smtClean="0"/>
-              <a:t>6/6/23</a:t>
+              <a:t>6/11/23</a:t>
             </a:fld>
             <a:endParaRPr lang="en-US"/>
           </a:p>
@@ -2069,7 +2069,7 @@
           <a:p>
             <a:fld id="{8E49583D-9681-9447-9EA1-AFF0CC7AEED1}" type="datetimeFigureOut">
               <a:rPr lang="en-US" smtClean="0"/>
-              <a:t>6/6/23</a:t>
+              <a:t>6/11/23</a:t>
             </a:fld>
             <a:endParaRPr lang="en-US"/>
           </a:p>
@@ -2380,7 +2380,7 @@
           <a:p>
             <a:fld id="{8E49583D-9681-9447-9EA1-AFF0CC7AEED1}" type="datetimeFigureOut">
               <a:rPr lang="en-US" smtClean="0"/>
-              <a:t>6/6/23</a:t>
+              <a:t>6/11/23</a:t>
             </a:fld>
             <a:endParaRPr lang="en-US"/>
           </a:p>
@@ -2668,7 +2668,7 @@
           <a:p>
             <a:fld id="{8E49583D-9681-9447-9EA1-AFF0CC7AEED1}" type="datetimeFigureOut">
               <a:rPr lang="en-US" smtClean="0"/>
-              <a:t>6/6/23</a:t>
+              <a:t>6/11/23</a:t>
             </a:fld>
             <a:endParaRPr lang="en-US"/>
           </a:p>
@@ -2909,7 +2909,7 @@
           <a:p>
             <a:fld id="{8E49583D-9681-9447-9EA1-AFF0CC7AEED1}" type="datetimeFigureOut">
               <a:rPr lang="en-US" smtClean="0"/>
-              <a:t>6/6/23</a:t>
+              <a:t>6/11/23</a:t>
             </a:fld>
             <a:endParaRPr lang="en-US"/>
           </a:p>
@@ -3976,7 +3976,7 @@
           <p:nvPr/>
         </p:nvPicPr>
         <p:blipFill>
-          <a:blip r:embed="rId2">
+          <a:blip r:embed="rId4">
             <a:extLst>
               <a:ext uri="{28A0092B-C50C-407E-A947-70E740481C1C}">
                 <a14:useLocalDpi xmlns:a14="http://schemas.microsoft.com/office/drawing/2010/main" val="0"/>
@@ -4023,7 +4023,7 @@
           <p:nvPr/>
         </p:nvPicPr>
         <p:blipFill>
-          <a:blip r:embed="rId3">
+          <a:blip r:embed="rId5">
             <a:extLst>
               <a:ext uri="{28A0092B-C50C-407E-A947-70E740481C1C}">
                 <a14:useLocalDpi xmlns:a14="http://schemas.microsoft.com/office/drawing/2010/main" val="0"/>
@@ -4070,7 +4070,7 @@
           <p:nvPr/>
         </p:nvPicPr>
         <p:blipFill rotWithShape="1">
-          <a:blip r:embed="rId4">
+          <a:blip r:embed="rId6">
             <a:extLst>
               <a:ext uri="{28A0092B-C50C-407E-A947-70E740481C1C}">
                 <a14:useLocalDpi xmlns:a14="http://schemas.microsoft.com/office/drawing/2010/main" val="0"/>
@@ -4174,7 +4174,7 @@
           <p:nvPr/>
         </p:nvPicPr>
         <p:blipFill rotWithShape="1">
-          <a:blip r:embed="rId5">
+          <a:blip r:embed="rId7">
             <a:extLst>
               <a:ext uri="{28A0092B-C50C-407E-A947-70E740481C1C}">
                 <a14:useLocalDpi xmlns:a14="http://schemas.microsoft.com/office/drawing/2010/main" val="0"/>
@@ -4186,7 +4186,7 @@
         </p:blipFill>
         <p:spPr bwMode="auto">
           <a:xfrm>
-            <a:off x="2731411" y="2922786"/>
+            <a:off x="2588782" y="3003870"/>
             <a:ext cx="1987155" cy="1632096"/>
           </a:xfrm>
           <a:prstGeom prst="rect">
@@ -4686,7 +4686,7 @@
           <p:nvPr/>
         </p:nvPicPr>
         <p:blipFill>
-          <a:blip r:embed="rId6">
+          <a:blip r:embed="rId8">
             <a:extLst>
               <a:ext uri="{28A0092B-C50C-407E-A947-70E740481C1C}">
                 <a14:useLocalDpi xmlns:a14="http://schemas.microsoft.com/office/drawing/2010/main" val="0"/>
@@ -4700,8 +4700,8 @@
         </p:blipFill>
         <p:spPr bwMode="auto">
           <a:xfrm>
-            <a:off x="6096000" y="2792730"/>
-            <a:ext cx="1713554" cy="1773547"/>
+            <a:off x="5796678" y="2918572"/>
+            <a:ext cx="1539013" cy="1592895"/>
           </a:xfrm>
           <a:prstGeom prst="rect">
             <a:avLst/>
@@ -4733,7 +4733,7 @@
           <p:nvPr/>
         </p:nvPicPr>
         <p:blipFill>
-          <a:blip r:embed="rId7">
+          <a:blip r:embed="rId9">
             <a:extLst>
               <a:ext uri="{28A0092B-C50C-407E-A947-70E740481C1C}">
                 <a14:useLocalDpi xmlns:a14="http://schemas.microsoft.com/office/drawing/2010/main" val="0"/>
@@ -4747,8 +4747,8 @@
         </p:blipFill>
         <p:spPr bwMode="auto">
           <a:xfrm>
-            <a:off x="4267199" y="5158564"/>
-            <a:ext cx="1925653" cy="1534466"/>
+            <a:off x="4267199" y="5060934"/>
+            <a:ext cx="2048172" cy="1632096"/>
           </a:xfrm>
           <a:prstGeom prst="rect">
             <a:avLst/>
@@ -4780,7 +4780,7 @@
           <p:nvPr/>
         </p:nvPicPr>
         <p:blipFill>
-          <a:blip r:embed="rId8">
+          <a:blip r:embed="rId10">
             <a:extLst>
               <a:ext uri="{28A0092B-C50C-407E-A947-70E740481C1C}">
                 <a14:useLocalDpi xmlns:a14="http://schemas.microsoft.com/office/drawing/2010/main" val="0"/>
@@ -4794,8 +4794,8 @@
         </p:blipFill>
         <p:spPr bwMode="auto">
           <a:xfrm>
-            <a:off x="6265026" y="4390235"/>
-            <a:ext cx="2432563" cy="2018288"/>
+            <a:off x="5972657" y="4365510"/>
+            <a:ext cx="1693298" cy="1404923"/>
           </a:xfrm>
           <a:prstGeom prst="rect">
             <a:avLst/>
@@ -4829,9 +4829,9 @@
           <p:nvPr/>
         </p:nvCxnSpPr>
         <p:spPr>
-          <a:xfrm flipH="1">
-            <a:off x="5230026" y="4691380"/>
-            <a:ext cx="142480" cy="467184"/>
+          <a:xfrm>
+            <a:off x="5095785" y="4533261"/>
+            <a:ext cx="195500" cy="527673"/>
           </a:xfrm>
           <a:prstGeom prst="straightConnector1">
             <a:avLst/>
@@ -4911,15 +4911,15 @@
           <p:nvPr/>
         </p:nvPicPr>
         <p:blipFill>
-          <a:blip r:embed="rId9"/>
+          <a:blip r:embed="rId11"/>
           <a:stretch>
             <a:fillRect/>
           </a:stretch>
         </p:blipFill>
         <p:spPr>
           <a:xfrm>
-            <a:off x="4666166" y="2917833"/>
-            <a:ext cx="1412680" cy="1773547"/>
+            <a:off x="4461392" y="2940365"/>
+            <a:ext cx="1268786" cy="1592896"/>
           </a:xfrm>
           <a:prstGeom prst="rect">
             <a:avLst/>
@@ -5017,12 +5017,284 @@
           </a:p>
         </p:txBody>
       </p:sp>
+      <p:cxnSp>
+        <p:nvCxnSpPr>
+          <p:cNvPr id="1064" name="Straight Arrow Connector 1063">
+            <a:extLst>
+              <a:ext uri="{FF2B5EF4-FFF2-40B4-BE49-F238E27FC236}">
+                <a16:creationId xmlns:a16="http://schemas.microsoft.com/office/drawing/2014/main" id="{BCB55D87-74A3-1824-6944-B74EE59FB373}"/>
+              </a:ext>
+            </a:extLst>
+          </p:cNvPr>
+          <p:cNvCxnSpPr>
+            <a:cxnSpLocks/>
+            <a:stCxn id="1061" idx="2"/>
+            <a:endCxn id="31" idx="0"/>
+          </p:cNvCxnSpPr>
+          <p:nvPr/>
+        </p:nvCxnSpPr>
+        <p:spPr>
+          <a:xfrm flipH="1">
+            <a:off x="8859277" y="2631209"/>
+            <a:ext cx="116938" cy="218959"/>
+          </a:xfrm>
+          <a:prstGeom prst="straightConnector1">
+            <a:avLst/>
+          </a:prstGeom>
+          <a:ln>
+            <a:tailEnd type="triangle"/>
+          </a:ln>
+        </p:spPr>
+        <p:style>
+          <a:lnRef idx="1">
+            <a:schemeClr val="accent1"/>
+          </a:lnRef>
+          <a:fillRef idx="0">
+            <a:schemeClr val="accent1"/>
+          </a:fillRef>
+          <a:effectRef idx="0">
+            <a:schemeClr val="accent1"/>
+          </a:effectRef>
+          <a:fontRef idx="minor">
+            <a:schemeClr val="tx1"/>
+          </a:fontRef>
+        </p:style>
+      </p:cxnSp>
+      <p:cxnSp>
+        <p:nvCxnSpPr>
+          <p:cNvPr id="1066" name="Straight Arrow Connector 1065">
+            <a:extLst>
+              <a:ext uri="{FF2B5EF4-FFF2-40B4-BE49-F238E27FC236}">
+                <a16:creationId xmlns:a16="http://schemas.microsoft.com/office/drawing/2014/main" id="{133F3D9C-FC93-3128-FB2C-CACA5600BBE0}"/>
+              </a:ext>
+            </a:extLst>
+          </p:cNvPr>
+          <p:cNvCxnSpPr>
+            <a:cxnSpLocks/>
+            <a:stCxn id="1037" idx="2"/>
+            <a:endCxn id="1053" idx="0"/>
+          </p:cNvCxnSpPr>
+          <p:nvPr/>
+        </p:nvCxnSpPr>
+        <p:spPr>
+          <a:xfrm flipH="1">
+            <a:off x="5095785" y="2624009"/>
+            <a:ext cx="683211" cy="316356"/>
+          </a:xfrm>
+          <a:prstGeom prst="straightConnector1">
+            <a:avLst/>
+          </a:prstGeom>
+          <a:ln>
+            <a:tailEnd type="triangle"/>
+          </a:ln>
+        </p:spPr>
+        <p:style>
+          <a:lnRef idx="1">
+            <a:schemeClr val="accent1"/>
+          </a:lnRef>
+          <a:fillRef idx="0">
+            <a:schemeClr val="accent1"/>
+          </a:fillRef>
+          <a:effectRef idx="0">
+            <a:schemeClr val="accent1"/>
+          </a:effectRef>
+          <a:fontRef idx="minor">
+            <a:schemeClr val="tx1"/>
+          </a:fontRef>
+        </p:style>
+      </p:cxnSp>
+      <p:cxnSp>
+        <p:nvCxnSpPr>
+          <p:cNvPr id="1068" name="Straight Arrow Connector 1067">
+            <a:extLst>
+              <a:ext uri="{FF2B5EF4-FFF2-40B4-BE49-F238E27FC236}">
+                <a16:creationId xmlns:a16="http://schemas.microsoft.com/office/drawing/2014/main" id="{D9F1E2B2-3447-5D6A-DF43-B20A0DDB43AE}"/>
+              </a:ext>
+            </a:extLst>
+          </p:cNvPr>
+          <p:cNvCxnSpPr>
+            <a:stCxn id="1037" idx="2"/>
+            <a:endCxn id="1044" idx="0"/>
+          </p:cNvCxnSpPr>
+          <p:nvPr/>
+        </p:nvCxnSpPr>
+        <p:spPr>
+          <a:xfrm>
+            <a:off x="5778996" y="2624009"/>
+            <a:ext cx="787189" cy="294563"/>
+          </a:xfrm>
+          <a:prstGeom prst="straightConnector1">
+            <a:avLst/>
+          </a:prstGeom>
+          <a:ln>
+            <a:tailEnd type="triangle"/>
+          </a:ln>
+        </p:spPr>
+        <p:style>
+          <a:lnRef idx="1">
+            <a:schemeClr val="accent1"/>
+          </a:lnRef>
+          <a:fillRef idx="0">
+            <a:schemeClr val="accent1"/>
+          </a:fillRef>
+          <a:effectRef idx="0">
+            <a:schemeClr val="accent1"/>
+          </a:effectRef>
+          <a:fontRef idx="minor">
+            <a:schemeClr val="tx1"/>
+          </a:fontRef>
+        </p:style>
+      </p:cxnSp>
+      <p:cxnSp>
+        <p:nvCxnSpPr>
+          <p:cNvPr id="1070" name="Straight Arrow Connector 1069">
+            <a:extLst>
+              <a:ext uri="{FF2B5EF4-FFF2-40B4-BE49-F238E27FC236}">
+                <a16:creationId xmlns:a16="http://schemas.microsoft.com/office/drawing/2014/main" id="{6B3E58B9-3F8A-7D07-AAD5-A1EE4FBC314B}"/>
+              </a:ext>
+            </a:extLst>
+          </p:cNvPr>
+          <p:cNvCxnSpPr>
+            <a:stCxn id="49" idx="2"/>
+            <a:endCxn id="1032" idx="0"/>
+          </p:cNvCxnSpPr>
+          <p:nvPr/>
+        </p:nvCxnSpPr>
+        <p:spPr>
+          <a:xfrm flipH="1">
+            <a:off x="3582360" y="2626410"/>
+            <a:ext cx="203579" cy="377460"/>
+          </a:xfrm>
+          <a:prstGeom prst="straightConnector1">
+            <a:avLst/>
+          </a:prstGeom>
+          <a:ln>
+            <a:tailEnd type="triangle"/>
+          </a:ln>
+        </p:spPr>
+        <p:style>
+          <a:lnRef idx="1">
+            <a:schemeClr val="accent1"/>
+          </a:lnRef>
+          <a:fillRef idx="0">
+            <a:schemeClr val="accent1"/>
+          </a:fillRef>
+          <a:effectRef idx="0">
+            <a:schemeClr val="accent1"/>
+          </a:effectRef>
+          <a:fontRef idx="minor">
+            <a:schemeClr val="tx1"/>
+          </a:fontRef>
+        </p:style>
+      </p:cxnSp>
+      <p:cxnSp>
+        <p:nvCxnSpPr>
+          <p:cNvPr id="1072" name="Straight Arrow Connector 1071">
+            <a:extLst>
+              <a:ext uri="{FF2B5EF4-FFF2-40B4-BE49-F238E27FC236}">
+                <a16:creationId xmlns:a16="http://schemas.microsoft.com/office/drawing/2014/main" id="{A865C0F4-2CB9-C61C-A18F-3DB1F6C01916}"/>
+              </a:ext>
+            </a:extLst>
+          </p:cNvPr>
+          <p:cNvCxnSpPr>
+            <a:cxnSpLocks/>
+            <a:stCxn id="1032" idx="0"/>
+            <a:endCxn id="1073" idx="2"/>
+          </p:cNvCxnSpPr>
+          <p:nvPr/>
+        </p:nvCxnSpPr>
+        <p:spPr>
+          <a:xfrm flipV="1">
+            <a:off x="3582360" y="527458"/>
+            <a:ext cx="3953311" cy="2476412"/>
+          </a:xfrm>
+          <a:prstGeom prst="straightConnector1">
+            <a:avLst/>
+          </a:prstGeom>
+          <a:ln>
+            <a:solidFill>
+              <a:schemeClr val="accent2"/>
+            </a:solidFill>
+            <a:tailEnd type="triangle"/>
+          </a:ln>
+        </p:spPr>
+        <p:style>
+          <a:lnRef idx="1">
+            <a:schemeClr val="accent1"/>
+          </a:lnRef>
+          <a:fillRef idx="0">
+            <a:schemeClr val="accent1"/>
+          </a:fillRef>
+          <a:effectRef idx="0">
+            <a:schemeClr val="accent1"/>
+          </a:effectRef>
+          <a:fontRef idx="minor">
+            <a:schemeClr val="tx1"/>
+          </a:fontRef>
+        </p:style>
+      </p:cxnSp>
+      <p:sp>
+        <p:nvSpPr>
+          <p:cNvPr id="1073" name="Rectangle 1072">
+            <a:extLst>
+              <a:ext uri="{FF2B5EF4-FFF2-40B4-BE49-F238E27FC236}">
+                <a16:creationId xmlns:a16="http://schemas.microsoft.com/office/drawing/2014/main" id="{BD69244D-D197-5355-EC8B-5F801D7BE60D}"/>
+              </a:ext>
+            </a:extLst>
+          </p:cNvPr>
+          <p:cNvSpPr/>
+          <p:nvPr/>
+        </p:nvSpPr>
+        <p:spPr>
+          <a:xfrm>
+            <a:off x="6635118" y="76746"/>
+            <a:ext cx="1801105" cy="450712"/>
+          </a:xfrm>
+          <a:prstGeom prst="rect">
+            <a:avLst/>
+          </a:prstGeom>
+        </p:spPr>
+        <p:style>
+          <a:lnRef idx="2">
+            <a:schemeClr val="accent1">
+              <a:shade val="50000"/>
+            </a:schemeClr>
+          </a:lnRef>
+          <a:fillRef idx="1">
+            <a:schemeClr val="accent1"/>
+          </a:fillRef>
+          <a:effectRef idx="0">
+            <a:schemeClr val="accent1"/>
+          </a:effectRef>
+          <a:fontRef idx="minor">
+            <a:schemeClr val="lt1"/>
+          </a:fontRef>
+        </p:style>
+        <p:txBody>
+          <a:bodyPr rtlCol="0" anchor="ctr"/>
+          <a:lstStyle/>
+          <a:p>
+            <a:pPr algn="ctr"/>
+            <a:r>
+              <a:rPr lang="en-US" sz="800" dirty="0"/>
+              <a:t>Read more about different </a:t>
+            </a:r>
+          </a:p>
+          <a:p>
+            <a:pPr algn="ctr"/>
+            <a:r>
+              <a:rPr lang="en-US" sz="800" dirty="0"/>
+              <a:t>Metrics to calculate distance</a:t>
+            </a:r>
+          </a:p>
+        </p:txBody>
+      </p:sp>
       <p:pic>
         <p:nvPicPr>
-          <p:cNvPr id="1062" name="Picture 26">
-            <a:extLst>
-              <a:ext uri="{FF2B5EF4-FFF2-40B4-BE49-F238E27FC236}">
-                <a16:creationId xmlns:a16="http://schemas.microsoft.com/office/drawing/2014/main" id="{1ADB31E9-1A3D-B551-B74C-77E105E4D410}"/>
+          <p:cNvPr id="3" name="Picture 2">
+            <a:extLst>
+              <a:ext uri="{FF2B5EF4-FFF2-40B4-BE49-F238E27FC236}">
+                <a16:creationId xmlns:a16="http://schemas.microsoft.com/office/drawing/2014/main" id="{86258C1E-C148-A53B-F70F-AD058B84C2FB}"/>
               </a:ext>
             </a:extLst>
           </p:cNvPr>
@@ -5032,7 +5304,7 @@
           <p:nvPr/>
         </p:nvPicPr>
         <p:blipFill>
-          <a:blip r:embed="rId10">
+          <a:blip r:embed="rId12">
             <a:extLst>
               <a:ext uri="{28A0092B-C50C-407E-A947-70E740481C1C}">
                 <a14:useLocalDpi xmlns:a14="http://schemas.microsoft.com/office/drawing/2010/main" val="0"/>
@@ -5046,8 +5318,8 @@
         </p:blipFill>
         <p:spPr bwMode="auto">
           <a:xfrm>
-            <a:off x="7823196" y="2826313"/>
-            <a:ext cx="2273985" cy="1821000"/>
+            <a:off x="2061639" y="4938236"/>
+            <a:ext cx="2110828" cy="1754794"/>
           </a:xfrm>
           <a:prstGeom prst="rect">
             <a:avLst/>
@@ -5066,24 +5338,23 @@
       </p:pic>
       <p:cxnSp>
         <p:nvCxnSpPr>
-          <p:cNvPr id="1064" name="Straight Arrow Connector 1063">
-            <a:extLst>
-              <a:ext uri="{FF2B5EF4-FFF2-40B4-BE49-F238E27FC236}">
-                <a16:creationId xmlns:a16="http://schemas.microsoft.com/office/drawing/2014/main" id="{BCB55D87-74A3-1824-6944-B74EE59FB373}"/>
+          <p:cNvPr id="8" name="Straight Arrow Connector 7">
+            <a:extLst>
+              <a:ext uri="{FF2B5EF4-FFF2-40B4-BE49-F238E27FC236}">
+                <a16:creationId xmlns:a16="http://schemas.microsoft.com/office/drawing/2014/main" id="{62A4E220-3D2A-FA18-4F27-8459D86B3433}"/>
               </a:ext>
             </a:extLst>
           </p:cNvPr>
           <p:cNvCxnSpPr>
             <a:cxnSpLocks/>
-            <a:stCxn id="1061" idx="2"/>
-            <a:endCxn id="1062" idx="0"/>
+            <a:endCxn id="3" idx="0"/>
           </p:cNvCxnSpPr>
           <p:nvPr/>
         </p:nvCxnSpPr>
         <p:spPr>
           <a:xfrm flipH="1">
-            <a:off x="8960189" y="2631209"/>
-            <a:ext cx="16026" cy="195104"/>
+            <a:off x="3117053" y="4414051"/>
+            <a:ext cx="464476" cy="524185"/>
           </a:xfrm>
           <a:prstGeom prst="straightConnector1">
             <a:avLst/>
@@ -5109,151 +5380,24 @@
       </p:cxnSp>
       <p:cxnSp>
         <p:nvCxnSpPr>
-          <p:cNvPr id="1066" name="Straight Arrow Connector 1065">
-            <a:extLst>
-              <a:ext uri="{FF2B5EF4-FFF2-40B4-BE49-F238E27FC236}">
-                <a16:creationId xmlns:a16="http://schemas.microsoft.com/office/drawing/2014/main" id="{133F3D9C-FC93-3128-FB2C-CACA5600BBE0}"/>
+          <p:cNvPr id="6" name="Straight Arrow Connector 5">
+            <a:extLst>
+              <a:ext uri="{FF2B5EF4-FFF2-40B4-BE49-F238E27FC236}">
+                <a16:creationId xmlns:a16="http://schemas.microsoft.com/office/drawing/2014/main" id="{693C04DD-D9B1-720A-C669-F2061BF67776}"/>
               </a:ext>
             </a:extLst>
           </p:cNvPr>
           <p:cNvCxnSpPr>
             <a:cxnSpLocks/>
-            <a:stCxn id="1037" idx="2"/>
-            <a:endCxn id="1053" idx="0"/>
+            <a:stCxn id="49" idx="0"/>
+            <a:endCxn id="7" idx="2"/>
           </p:cNvCxnSpPr>
           <p:nvPr/>
         </p:nvCxnSpPr>
         <p:spPr>
-          <a:xfrm flipH="1">
-            <a:off x="5372506" y="2624009"/>
-            <a:ext cx="406490" cy="293824"/>
-          </a:xfrm>
-          <a:prstGeom prst="straightConnector1">
-            <a:avLst/>
-          </a:prstGeom>
-          <a:ln>
-            <a:tailEnd type="triangle"/>
-          </a:ln>
-        </p:spPr>
-        <p:style>
-          <a:lnRef idx="1">
-            <a:schemeClr val="accent1"/>
-          </a:lnRef>
-          <a:fillRef idx="0">
-            <a:schemeClr val="accent1"/>
-          </a:fillRef>
-          <a:effectRef idx="0">
-            <a:schemeClr val="accent1"/>
-          </a:effectRef>
-          <a:fontRef idx="minor">
-            <a:schemeClr val="tx1"/>
-          </a:fontRef>
-        </p:style>
-      </p:cxnSp>
-      <p:cxnSp>
-        <p:nvCxnSpPr>
-          <p:cNvPr id="1068" name="Straight Arrow Connector 1067">
-            <a:extLst>
-              <a:ext uri="{FF2B5EF4-FFF2-40B4-BE49-F238E27FC236}">
-                <a16:creationId xmlns:a16="http://schemas.microsoft.com/office/drawing/2014/main" id="{D9F1E2B2-3447-5D6A-DF43-B20A0DDB43AE}"/>
-              </a:ext>
-            </a:extLst>
-          </p:cNvPr>
-          <p:cNvCxnSpPr>
-            <a:stCxn id="1037" idx="2"/>
-            <a:endCxn id="1044" idx="0"/>
-          </p:cNvCxnSpPr>
-          <p:nvPr/>
-        </p:nvCxnSpPr>
-        <p:spPr>
-          <a:xfrm>
-            <a:off x="5778996" y="2624009"/>
-            <a:ext cx="1173781" cy="168721"/>
-          </a:xfrm>
-          <a:prstGeom prst="straightConnector1">
-            <a:avLst/>
-          </a:prstGeom>
-          <a:ln>
-            <a:tailEnd type="triangle"/>
-          </a:ln>
-        </p:spPr>
-        <p:style>
-          <a:lnRef idx="1">
-            <a:schemeClr val="accent1"/>
-          </a:lnRef>
-          <a:fillRef idx="0">
-            <a:schemeClr val="accent1"/>
-          </a:fillRef>
-          <a:effectRef idx="0">
-            <a:schemeClr val="accent1"/>
-          </a:effectRef>
-          <a:fontRef idx="minor">
-            <a:schemeClr val="tx1"/>
-          </a:fontRef>
-        </p:style>
-      </p:cxnSp>
-      <p:cxnSp>
-        <p:nvCxnSpPr>
-          <p:cNvPr id="1070" name="Straight Arrow Connector 1069">
-            <a:extLst>
-              <a:ext uri="{FF2B5EF4-FFF2-40B4-BE49-F238E27FC236}">
-                <a16:creationId xmlns:a16="http://schemas.microsoft.com/office/drawing/2014/main" id="{6B3E58B9-3F8A-7D07-AAD5-A1EE4FBC314B}"/>
-              </a:ext>
-            </a:extLst>
-          </p:cNvPr>
-          <p:cNvCxnSpPr>
-            <a:stCxn id="49" idx="2"/>
-            <a:endCxn id="1032" idx="0"/>
-          </p:cNvCxnSpPr>
-          <p:nvPr/>
-        </p:nvCxnSpPr>
-        <p:spPr>
-          <a:xfrm flipH="1">
-            <a:off x="3724989" y="2626410"/>
-            <a:ext cx="60950" cy="296376"/>
-          </a:xfrm>
-          <a:prstGeom prst="straightConnector1">
-            <a:avLst/>
-          </a:prstGeom>
-          <a:ln>
-            <a:tailEnd type="triangle"/>
-          </a:ln>
-        </p:spPr>
-        <p:style>
-          <a:lnRef idx="1">
-            <a:schemeClr val="accent1"/>
-          </a:lnRef>
-          <a:fillRef idx="0">
-            <a:schemeClr val="accent1"/>
-          </a:fillRef>
-          <a:effectRef idx="0">
-            <a:schemeClr val="accent1"/>
-          </a:effectRef>
-          <a:fontRef idx="minor">
-            <a:schemeClr val="tx1"/>
-          </a:fontRef>
-        </p:style>
-      </p:cxnSp>
-      <p:cxnSp>
-        <p:nvCxnSpPr>
-          <p:cNvPr id="1072" name="Straight Arrow Connector 1071">
-            <a:extLst>
-              <a:ext uri="{FF2B5EF4-FFF2-40B4-BE49-F238E27FC236}">
-                <a16:creationId xmlns:a16="http://schemas.microsoft.com/office/drawing/2014/main" id="{A865C0F4-2CB9-C61C-A18F-3DB1F6C01916}"/>
-              </a:ext>
-            </a:extLst>
-          </p:cNvPr>
-          <p:cNvCxnSpPr>
-            <a:cxnSpLocks/>
-            <a:stCxn id="1032" idx="0"/>
-            <a:endCxn id="1073" idx="2"/>
-          </p:cNvCxnSpPr>
-          <p:nvPr/>
-        </p:nvCxnSpPr>
-        <p:spPr>
-          <a:xfrm flipV="1">
-            <a:off x="3724989" y="527458"/>
-            <a:ext cx="3810682" cy="2395328"/>
+          <a:xfrm flipH="1" flipV="1">
+            <a:off x="2632506" y="1094111"/>
+            <a:ext cx="1153433" cy="1147894"/>
           </a:xfrm>
           <a:prstGeom prst="straightConnector1">
             <a:avLst/>
@@ -5282,10 +5426,10 @@
       </p:cxnSp>
       <p:sp>
         <p:nvSpPr>
-          <p:cNvPr id="1073" name="Rectangle 1072">
-            <a:extLst>
-              <a:ext uri="{FF2B5EF4-FFF2-40B4-BE49-F238E27FC236}">
-                <a16:creationId xmlns:a16="http://schemas.microsoft.com/office/drawing/2014/main" id="{BD69244D-D197-5355-EC8B-5F801D7BE60D}"/>
+          <p:cNvPr id="7" name="Rounded Rectangle 6">
+            <a:extLst>
+              <a:ext uri="{FF2B5EF4-FFF2-40B4-BE49-F238E27FC236}">
+                <a16:creationId xmlns:a16="http://schemas.microsoft.com/office/drawing/2014/main" id="{3ED8116C-B924-3D3C-4126-CE3E160E5711}"/>
               </a:ext>
             </a:extLst>
           </p:cNvPr>
@@ -5294,10 +5438,10 @@
         </p:nvSpPr>
         <p:spPr>
           <a:xfrm>
-            <a:off x="6635118" y="76746"/>
-            <a:ext cx="1801105" cy="450712"/>
-          </a:xfrm>
-          <a:prstGeom prst="rect">
+            <a:off x="1941206" y="814905"/>
+            <a:ext cx="1382600" cy="279206"/>
+          </a:xfrm>
+          <a:prstGeom prst="roundRect">
             <a:avLst/>
           </a:prstGeom>
         </p:spPr>
@@ -5324,24 +5468,175 @@
             <a:pPr algn="ctr"/>
             <a:r>
               <a:rPr lang="en-US" sz="800" dirty="0"/>
-              <a:t>Read more about different </a:t>
+              <a:t>Expensive for large datasets </a:t>
             </a:r>
           </a:p>
           <a:p>
             <a:pPr algn="ctr"/>
             <a:r>
               <a:rPr lang="en-US" sz="800" dirty="0"/>
-              <a:t>Metrics to calculate distance</a:t>
-            </a:r>
+              <a:t>And only for classification</a:t>
+            </a:r>
+          </a:p>
+        </p:txBody>
+      </p:sp>
+      <p:cxnSp>
+        <p:nvCxnSpPr>
+          <p:cNvPr id="21" name="Elbow Connector 20">
+            <a:extLst>
+              <a:ext uri="{FF2B5EF4-FFF2-40B4-BE49-F238E27FC236}">
+                <a16:creationId xmlns:a16="http://schemas.microsoft.com/office/drawing/2014/main" id="{1579569E-4578-D463-0D4A-1966B6D60884}"/>
+              </a:ext>
+            </a:extLst>
+          </p:cNvPr>
+          <p:cNvCxnSpPr>
+            <a:cxnSpLocks/>
+            <a:stCxn id="1046" idx="1"/>
+            <a:endCxn id="24" idx="1"/>
+          </p:cNvCxnSpPr>
+          <p:nvPr/>
+        </p:nvCxnSpPr>
+        <p:spPr>
+          <a:xfrm rot="10800000" flipH="1" flipV="1">
+            <a:off x="5972656" y="5067971"/>
+            <a:ext cx="292369" cy="1269659"/>
+          </a:xfrm>
+          <a:prstGeom prst="bentConnector3">
+            <a:avLst>
+              <a:gd name="adj1" fmla="val -78189"/>
+            </a:avLst>
+          </a:prstGeom>
+          <a:ln>
+            <a:tailEnd type="triangle"/>
+          </a:ln>
+        </p:spPr>
+        <p:style>
+          <a:lnRef idx="1">
+            <a:schemeClr val="accent1"/>
+          </a:lnRef>
+          <a:fillRef idx="0">
+            <a:schemeClr val="accent1"/>
+          </a:fillRef>
+          <a:effectRef idx="0">
+            <a:schemeClr val="accent1"/>
+          </a:effectRef>
+          <a:fontRef idx="minor">
+            <a:schemeClr val="tx1"/>
+          </a:fontRef>
+        </p:style>
+      </p:cxnSp>
+      <p:sp>
+        <p:nvSpPr>
+          <p:cNvPr id="24" name="Rectangle 23">
+            <a:extLst>
+              <a:ext uri="{FF2B5EF4-FFF2-40B4-BE49-F238E27FC236}">
+                <a16:creationId xmlns:a16="http://schemas.microsoft.com/office/drawing/2014/main" id="{7469CB7D-83A6-29AF-9342-8F48B0B65462}"/>
+              </a:ext>
+            </a:extLst>
+          </p:cNvPr>
+          <p:cNvSpPr/>
+          <p:nvPr/>
+        </p:nvSpPr>
+        <p:spPr>
+          <a:xfrm>
+            <a:off x="6265026" y="5890162"/>
+            <a:ext cx="1270645" cy="894938"/>
+          </a:xfrm>
+          <a:prstGeom prst="rect">
+            <a:avLst/>
+          </a:prstGeom>
+        </p:spPr>
+        <p:style>
+          <a:lnRef idx="2">
+            <a:schemeClr val="accent1">
+              <a:shade val="50000"/>
+            </a:schemeClr>
+          </a:lnRef>
+          <a:fillRef idx="1">
+            <a:schemeClr val="accent1"/>
+          </a:fillRef>
+          <a:effectRef idx="0">
+            <a:schemeClr val="accent1"/>
+          </a:effectRef>
+          <a:fontRef idx="minor">
+            <a:schemeClr val="lt1"/>
+          </a:fontRef>
+        </p:style>
+        <p:txBody>
+          <a:bodyPr rtlCol="0" anchor="ctr"/>
+          <a:lstStyle/>
+          <a:p>
+            <a:pPr algn="ctr"/>
+            <a:r>
+              <a:rPr lang="en-US" sz="800" dirty="0"/>
+              <a:t>Handles high </a:t>
+            </a:r>
+            <a:r>
+              <a:rPr lang="en-US" sz="800" dirty="0" err="1"/>
+              <a:t>dimentional</a:t>
+            </a:r>
+            <a:r>
+              <a:rPr lang="en-US" sz="800" dirty="0"/>
+              <a:t> data + both classification (votes) and regression (average) + (selecting different features and  select the majority vote)</a:t>
+            </a:r>
+          </a:p>
+        </p:txBody>
+      </p:sp>
+      <p:sp>
+        <p:nvSpPr>
+          <p:cNvPr id="62" name="Cloud Callout 61">
+            <a:extLst>
+              <a:ext uri="{FF2B5EF4-FFF2-40B4-BE49-F238E27FC236}">
+                <a16:creationId xmlns:a16="http://schemas.microsoft.com/office/drawing/2014/main" id="{FA6CC69B-F0F3-2749-EF7D-DF57F7AB2C15}"/>
+              </a:ext>
+            </a:extLst>
+          </p:cNvPr>
+          <p:cNvSpPr/>
+          <p:nvPr/>
+        </p:nvSpPr>
+        <p:spPr>
+          <a:xfrm>
+            <a:off x="7460996" y="1357213"/>
+            <a:ext cx="1387838" cy="678405"/>
+          </a:xfrm>
+          <a:prstGeom prst="cloudCallout">
+            <a:avLst>
+              <a:gd name="adj1" fmla="val 55242"/>
+              <a:gd name="adj2" fmla="val 72227"/>
+            </a:avLst>
+          </a:prstGeom>
+        </p:spPr>
+        <p:style>
+          <a:lnRef idx="2">
+            <a:schemeClr val="accent1">
+              <a:shade val="50000"/>
+            </a:schemeClr>
+          </a:lnRef>
+          <a:fillRef idx="1">
+            <a:schemeClr val="accent1"/>
+          </a:fillRef>
+          <a:effectRef idx="0">
+            <a:schemeClr val="accent1"/>
+          </a:effectRef>
+          <a:fontRef idx="minor">
+            <a:schemeClr val="lt1"/>
+          </a:fontRef>
+        </p:style>
+        <p:txBody>
+          <a:bodyPr rtlCol="0" anchor="ctr"/>
+          <a:lstStyle/>
+          <a:p>
+            <a:pPr algn="ctr"/>
+            <a:endParaRPr lang="en-US"/>
           </a:p>
         </p:txBody>
       </p:sp>
       <p:pic>
         <p:nvPicPr>
-          <p:cNvPr id="3" name="Picture 2">
-            <a:extLst>
-              <a:ext uri="{FF2B5EF4-FFF2-40B4-BE49-F238E27FC236}">
-                <a16:creationId xmlns:a16="http://schemas.microsoft.com/office/drawing/2014/main" id="{86258C1E-C148-A53B-F70F-AD058B84C2FB}"/>
+          <p:cNvPr id="31" name="Picture 2">
+            <a:extLst>
+              <a:ext uri="{FF2B5EF4-FFF2-40B4-BE49-F238E27FC236}">
+                <a16:creationId xmlns:a16="http://schemas.microsoft.com/office/drawing/2014/main" id="{23EB13D7-6EED-9A80-32F2-DD866B5633CF}"/>
               </a:ext>
             </a:extLst>
           </p:cNvPr>
@@ -5351,7 +5646,7 @@
           <p:nvPr/>
         </p:nvPicPr>
         <p:blipFill>
-          <a:blip r:embed="rId11">
+          <a:blip r:embed="rId13">
             <a:extLst>
               <a:ext uri="{28A0092B-C50C-407E-A947-70E740481C1C}">
                 <a14:useLocalDpi xmlns:a14="http://schemas.microsoft.com/office/drawing/2010/main" val="0"/>
@@ -5365,8 +5660,8 @@
         </p:blipFill>
         <p:spPr bwMode="auto">
           <a:xfrm>
-            <a:off x="2061639" y="4919483"/>
-            <a:ext cx="2133386" cy="1773547"/>
+            <a:off x="7578170" y="2850168"/>
+            <a:ext cx="2562214" cy="1571102"/>
           </a:xfrm>
           <a:prstGeom prst="rect">
             <a:avLst/>
@@ -5385,23 +5680,22 @@
       </p:pic>
       <p:cxnSp>
         <p:nvCxnSpPr>
-          <p:cNvPr id="8" name="Straight Arrow Connector 7">
-            <a:extLst>
-              <a:ext uri="{FF2B5EF4-FFF2-40B4-BE49-F238E27FC236}">
-                <a16:creationId xmlns:a16="http://schemas.microsoft.com/office/drawing/2014/main" id="{62A4E220-3D2A-FA18-4F27-8459D86B3433}"/>
+          <p:cNvPr id="42" name="Straight Arrow Connector 41">
+            <a:extLst>
+              <a:ext uri="{FF2B5EF4-FFF2-40B4-BE49-F238E27FC236}">
+                <a16:creationId xmlns:a16="http://schemas.microsoft.com/office/drawing/2014/main" id="{2D017AC6-BE48-E341-C39C-C3EC14BD4107}"/>
               </a:ext>
             </a:extLst>
           </p:cNvPr>
           <p:cNvCxnSpPr>
             <a:cxnSpLocks/>
-            <a:endCxn id="3" idx="0"/>
           </p:cNvCxnSpPr>
           <p:nvPr/>
         </p:nvCxnSpPr>
         <p:spPr>
-          <a:xfrm flipH="1">
-            <a:off x="3128332" y="4414051"/>
-            <a:ext cx="453197" cy="505432"/>
+          <a:xfrm>
+            <a:off x="8430748" y="4305579"/>
+            <a:ext cx="52716" cy="330387"/>
           </a:xfrm>
           <a:prstGeom prst="straightConnector1">
             <a:avLst/>
@@ -5425,58 +5719,59 @@
           </a:fontRef>
         </p:style>
       </p:cxnSp>
-      <p:cxnSp>
-        <p:nvCxnSpPr>
-          <p:cNvPr id="6" name="Straight Arrow Connector 5">
-            <a:extLst>
-              <a:ext uri="{FF2B5EF4-FFF2-40B4-BE49-F238E27FC236}">
-                <a16:creationId xmlns:a16="http://schemas.microsoft.com/office/drawing/2014/main" id="{693C04DD-D9B1-720A-C669-F2061BF67776}"/>
-              </a:ext>
-            </a:extLst>
-          </p:cNvPr>
-          <p:cNvCxnSpPr>
-            <a:cxnSpLocks/>
-            <a:stCxn id="49" idx="0"/>
-            <a:endCxn id="7" idx="2"/>
-          </p:cNvCxnSpPr>
+      <p:pic>
+        <p:nvPicPr>
+          <p:cNvPr id="43" name="Picture 4">
+            <a:extLst>
+              <a:ext uri="{FF2B5EF4-FFF2-40B4-BE49-F238E27FC236}">
+                <a16:creationId xmlns:a16="http://schemas.microsoft.com/office/drawing/2014/main" id="{7BE8B3AB-75DF-21C8-F0B5-07B9BFE81C57}"/>
+              </a:ext>
+            </a:extLst>
+          </p:cNvPr>
+          <p:cNvPicPr>
+            <a:picLocks noChangeAspect="1" noChangeArrowheads="1"/>
+          </p:cNvPicPr>
           <p:nvPr/>
-        </p:nvCxnSpPr>
-        <p:spPr>
-          <a:xfrm flipH="1" flipV="1">
-            <a:off x="2632506" y="1094111"/>
-            <a:ext cx="1153433" cy="1147894"/>
-          </a:xfrm>
-          <a:prstGeom prst="straightConnector1">
+        </p:nvPicPr>
+        <p:blipFill>
+          <a:blip r:embed="rId14">
+            <a:extLst>
+              <a:ext uri="{28A0092B-C50C-407E-A947-70E740481C1C}">
+                <a14:useLocalDpi xmlns:a14="http://schemas.microsoft.com/office/drawing/2010/main" val="0"/>
+              </a:ext>
+            </a:extLst>
+          </a:blip>
+          <a:srcRect/>
+          <a:stretch>
+            <a:fillRect/>
+          </a:stretch>
+        </p:blipFill>
+        <p:spPr bwMode="auto">
+          <a:xfrm>
+            <a:off x="7410692" y="4452145"/>
+            <a:ext cx="2222844" cy="1797771"/>
+          </a:xfrm>
+          <a:prstGeom prst="rect">
             <a:avLst/>
           </a:prstGeom>
-          <a:ln>
-            <a:solidFill>
-              <a:schemeClr val="accent2"/>
-            </a:solidFill>
-            <a:tailEnd type="triangle"/>
-          </a:ln>
-        </p:spPr>
-        <p:style>
-          <a:lnRef idx="1">
-            <a:schemeClr val="accent1"/>
-          </a:lnRef>
-          <a:fillRef idx="0">
-            <a:schemeClr val="accent1"/>
-          </a:fillRef>
-          <a:effectRef idx="0">
-            <a:schemeClr val="accent1"/>
-          </a:effectRef>
-          <a:fontRef idx="minor">
-            <a:schemeClr val="tx1"/>
-          </a:fontRef>
-        </p:style>
-      </p:cxnSp>
-      <p:sp>
-        <p:nvSpPr>
-          <p:cNvPr id="7" name="Rounded Rectangle 6">
-            <a:extLst>
-              <a:ext uri="{FF2B5EF4-FFF2-40B4-BE49-F238E27FC236}">
-                <a16:creationId xmlns:a16="http://schemas.microsoft.com/office/drawing/2014/main" id="{3ED8116C-B924-3D3C-4126-CE3E160E5711}"/>
+          <a:noFill/>
+          <a:extLst>
+            <a:ext uri="{909E8E84-426E-40DD-AFC4-6F175D3DCCD1}">
+              <a14:hiddenFill xmlns:a14="http://schemas.microsoft.com/office/drawing/2010/main">
+                <a:solidFill>
+                  <a:srgbClr val="FFFFFF"/>
+                </a:solidFill>
+              </a14:hiddenFill>
+            </a:ext>
+          </a:extLst>
+        </p:spPr>
+      </p:pic>
+      <p:sp>
+        <p:nvSpPr>
+          <p:cNvPr id="48" name="Rectangle 47">
+            <a:extLst>
+              <a:ext uri="{FF2B5EF4-FFF2-40B4-BE49-F238E27FC236}">
+                <a16:creationId xmlns:a16="http://schemas.microsoft.com/office/drawing/2014/main" id="{3435B7F8-73BB-0CE7-7611-2487C73062EB}"/>
               </a:ext>
             </a:extLst>
           </p:cNvPr>
@@ -5485,10 +5780,10 @@
         </p:nvSpPr>
         <p:spPr>
           <a:xfrm>
-            <a:off x="1941206" y="814905"/>
-            <a:ext cx="1382600" cy="279206"/>
-          </a:xfrm>
-          <a:prstGeom prst="roundRect">
+            <a:off x="7665956" y="6151308"/>
+            <a:ext cx="817508" cy="663182"/>
+          </a:xfrm>
+          <a:prstGeom prst="rect">
             <a:avLst/>
           </a:prstGeom>
         </p:spPr>
@@ -5512,46 +5807,41 @@
           <a:bodyPr rtlCol="0" anchor="ctr"/>
           <a:lstStyle/>
           <a:p>
-            <a:pPr algn="ctr"/>
-            <a:r>
-              <a:rPr lang="en-US" sz="800" dirty="0"/>
-              <a:t>Expensive for large datasets </a:t>
-            </a:r>
-          </a:p>
-          <a:p>
-            <a:pPr algn="ctr"/>
-            <a:r>
-              <a:rPr lang="en-US" sz="800" dirty="0"/>
-              <a:t>And only for classification</a:t>
+            <a:pPr algn="l">
+              <a:buFont typeface="Arial" panose="020B0604020202020204" pitchFamily="34" charset="0"/>
+              <a:buChar char="•"/>
+            </a:pPr>
+            <a:r>
+              <a:rPr lang="en-CA" sz="800" b="0" i="0" dirty="0">
+                <a:effectLst/>
+                <a:latin typeface="inherit"/>
+              </a:rPr>
+              <a:t>We don't know the number of clusters beforehand.</a:t>
             </a:r>
           </a:p>
         </p:txBody>
       </p:sp>
       <p:cxnSp>
         <p:nvCxnSpPr>
-          <p:cNvPr id="21" name="Elbow Connector 20">
-            <a:extLst>
-              <a:ext uri="{FF2B5EF4-FFF2-40B4-BE49-F238E27FC236}">
-                <a16:creationId xmlns:a16="http://schemas.microsoft.com/office/drawing/2014/main" id="{1579569E-4578-D463-0D4A-1966B6D60884}"/>
+          <p:cNvPr id="55" name="Straight Arrow Connector 54">
+            <a:extLst>
+              <a:ext uri="{FF2B5EF4-FFF2-40B4-BE49-F238E27FC236}">
+                <a16:creationId xmlns:a16="http://schemas.microsoft.com/office/drawing/2014/main" id="{28B87D3E-4BCD-0DFD-CF59-C17CA499CE3D}"/>
               </a:ext>
             </a:extLst>
           </p:cNvPr>
           <p:cNvCxnSpPr>
             <a:cxnSpLocks/>
-            <a:stCxn id="1046" idx="1"/>
-            <a:endCxn id="24" idx="1"/>
           </p:cNvCxnSpPr>
           <p:nvPr/>
         </p:nvCxnSpPr>
         <p:spPr>
-          <a:xfrm rot="10800000" flipV="1">
-            <a:off x="6265026" y="5399379"/>
-            <a:ext cx="12700" cy="1204620"/>
-          </a:xfrm>
-          <a:prstGeom prst="bentConnector3">
-            <a:avLst>
-              <a:gd name="adj1" fmla="val 1800000"/>
-            </a:avLst>
+          <a:xfrm>
+            <a:off x="7665955" y="5876681"/>
+            <a:ext cx="0" cy="243752"/>
+          </a:xfrm>
+          <a:prstGeom prst="straightConnector1">
+            <a:avLst/>
           </a:prstGeom>
           <a:ln>
             <a:tailEnd type="triangle"/>
@@ -5572,12 +5862,138 @@
           </a:fontRef>
         </p:style>
       </p:cxnSp>
-      <p:sp>
-        <p:nvSpPr>
-          <p:cNvPr id="24" name="Rectangle 23">
-            <a:extLst>
-              <a:ext uri="{FF2B5EF4-FFF2-40B4-BE49-F238E27FC236}">
-                <a16:creationId xmlns:a16="http://schemas.microsoft.com/office/drawing/2014/main" id="{7469CB7D-83A6-29AF-9342-8F48B0B65462}"/>
+      <p:pic>
+        <p:nvPicPr>
+          <p:cNvPr id="56" name="Picture 6">
+            <a:extLst>
+              <a:ext uri="{FF2B5EF4-FFF2-40B4-BE49-F238E27FC236}">
+                <a16:creationId xmlns:a16="http://schemas.microsoft.com/office/drawing/2014/main" id="{39E164FC-4F19-05F2-309C-682F4822896F}"/>
+              </a:ext>
+            </a:extLst>
+          </p:cNvPr>
+          <p:cNvPicPr>
+            <a:picLocks noChangeAspect="1" noChangeArrowheads="1"/>
+          </p:cNvPicPr>
+          <p:nvPr/>
+        </p:nvPicPr>
+        <p:blipFill>
+          <a:blip r:embed="rId15">
+            <a:extLst>
+              <a:ext uri="{28A0092B-C50C-407E-A947-70E740481C1C}">
+                <a14:useLocalDpi xmlns:a14="http://schemas.microsoft.com/office/drawing/2010/main" val="0"/>
+              </a:ext>
+            </a:extLst>
+          </a:blip>
+          <a:srcRect/>
+          <a:stretch>
+            <a:fillRect/>
+          </a:stretch>
+        </p:blipFill>
+        <p:spPr bwMode="auto">
+          <a:xfrm>
+            <a:off x="8539464" y="5932936"/>
+            <a:ext cx="1273576" cy="925064"/>
+          </a:xfrm>
+          <a:prstGeom prst="rect">
+            <a:avLst/>
+          </a:prstGeom>
+          <a:noFill/>
+          <a:extLst>
+            <a:ext uri="{909E8E84-426E-40DD-AFC4-6F175D3DCCD1}">
+              <a14:hiddenFill xmlns:a14="http://schemas.microsoft.com/office/drawing/2010/main">
+                <a:solidFill>
+                  <a:srgbClr val="FFFFFF"/>
+                </a:solidFill>
+              </a14:hiddenFill>
+            </a:ext>
+          </a:extLst>
+        </p:spPr>
+      </p:pic>
+      <p:pic>
+        <p:nvPicPr>
+          <p:cNvPr id="59" name="Screen Recording 2023-06-11 at 6.35.25 PM">
+            <a:hlinkClick r:id="" action="ppaction://media"/>
+            <a:extLst>
+              <a:ext uri="{FF2B5EF4-FFF2-40B4-BE49-F238E27FC236}">
+                <a16:creationId xmlns:a16="http://schemas.microsoft.com/office/drawing/2014/main" id="{C0AB64E7-A03D-8EB7-3E8F-58C65DF339D4}"/>
+              </a:ext>
+            </a:extLst>
+          </p:cNvPr>
+          <p:cNvPicPr>
+            <a:picLocks noChangeAspect="1"/>
+          </p:cNvPicPr>
+          <p:nvPr>
+            <a:videoFile r:link="rId2"/>
+            <p:extLst>
+              <p:ext uri="{DAA4B4D4-6D71-4841-9C94-3DE7FCFB9230}">
+                <p14:media xmlns:p14="http://schemas.microsoft.com/office/powerpoint/2010/main" r:embed="rId1"/>
+              </p:ext>
+            </p:extLst>
+          </p:nvPr>
+        </p:nvPicPr>
+        <p:blipFill>
+          <a:blip r:embed="rId16"/>
+          <a:stretch>
+            <a:fillRect/>
+          </a:stretch>
+        </p:blipFill>
+        <p:spPr>
+          <a:xfrm>
+            <a:off x="9795741" y="5618550"/>
+            <a:ext cx="1312612" cy="1239450"/>
+          </a:xfrm>
+          <a:prstGeom prst="rect">
+            <a:avLst/>
+          </a:prstGeom>
+        </p:spPr>
+      </p:pic>
+      <p:cxnSp>
+        <p:nvCxnSpPr>
+          <p:cNvPr id="1025" name="Straight Arrow Connector 1024">
+            <a:extLst>
+              <a:ext uri="{FF2B5EF4-FFF2-40B4-BE49-F238E27FC236}">
+                <a16:creationId xmlns:a16="http://schemas.microsoft.com/office/drawing/2014/main" id="{E31A98F4-8DFD-86C5-C2F1-284F61EA0028}"/>
+              </a:ext>
+            </a:extLst>
+          </p:cNvPr>
+          <p:cNvCxnSpPr>
+            <a:endCxn id="59" idx="0"/>
+          </p:cNvCxnSpPr>
+          <p:nvPr/>
+        </p:nvCxnSpPr>
+        <p:spPr>
+          <a:xfrm>
+            <a:off x="9730130" y="4232681"/>
+            <a:ext cx="721917" cy="1385869"/>
+          </a:xfrm>
+          <a:prstGeom prst="straightConnector1">
+            <a:avLst/>
+          </a:prstGeom>
+          <a:ln>
+            <a:tailEnd type="triangle"/>
+          </a:ln>
+        </p:spPr>
+        <p:style>
+          <a:lnRef idx="1">
+            <a:schemeClr val="accent1"/>
+          </a:lnRef>
+          <a:fillRef idx="0">
+            <a:schemeClr val="accent1"/>
+          </a:fillRef>
+          <a:effectRef idx="0">
+            <a:schemeClr val="accent1"/>
+          </a:effectRef>
+          <a:fontRef idx="minor">
+            <a:schemeClr val="tx1"/>
+          </a:fontRef>
+        </p:style>
+      </p:cxnSp>
+      <p:sp>
+        <p:nvSpPr>
+          <p:cNvPr id="1031" name="Up Arrow 1030">
+            <a:extLst>
+              <a:ext uri="{FF2B5EF4-FFF2-40B4-BE49-F238E27FC236}">
+                <a16:creationId xmlns:a16="http://schemas.microsoft.com/office/drawing/2014/main" id="{A8F223E3-CAEA-1269-A86F-3AB4CE52A24A}"/>
               </a:ext>
             </a:extLst>
           </p:cNvPr>
@@ -5585,11 +6001,11 @@
           <p:nvPr/>
         </p:nvSpPr>
         <p:spPr>
-          <a:xfrm>
-            <a:off x="6265026" y="6422898"/>
-            <a:ext cx="2391940" cy="362201"/>
-          </a:xfrm>
-          <a:prstGeom prst="rect">
+          <a:xfrm rot="7684876">
+            <a:off x="11205225" y="5740876"/>
+            <a:ext cx="130665" cy="422642"/>
+          </a:xfrm>
+          <a:prstGeom prst="upArrow">
             <a:avLst/>
           </a:prstGeom>
         </p:spPr>
@@ -5614,67 +6030,46 @@
           <a:lstStyle/>
           <a:p>
             <a:pPr algn="ctr"/>
-            <a:r>
-              <a:rPr lang="en-US" sz="800" dirty="0"/>
-              <a:t>Handles high </a:t>
-            </a:r>
-            <a:r>
-              <a:rPr lang="en-US" sz="800" dirty="0" err="1"/>
-              <a:t>dimentional</a:t>
-            </a:r>
-            <a:r>
-              <a:rPr lang="en-US" sz="800" dirty="0"/>
-              <a:t> data + both classification (votes) and regression (average) + (selecting different features and  select the majority vote)</a:t>
-            </a:r>
-          </a:p>
-        </p:txBody>
-      </p:sp>
-      <p:sp>
-        <p:nvSpPr>
-          <p:cNvPr id="62" name="Cloud Callout 61">
-            <a:extLst>
-              <a:ext uri="{FF2B5EF4-FFF2-40B4-BE49-F238E27FC236}">
-                <a16:creationId xmlns:a16="http://schemas.microsoft.com/office/drawing/2014/main" id="{FA6CC69B-F0F3-2749-EF7D-DF57F7AB2C15}"/>
-              </a:ext>
-            </a:extLst>
-          </p:cNvPr>
-          <p:cNvSpPr/>
+            <a:endParaRPr lang="en-US"/>
+          </a:p>
+        </p:txBody>
+      </p:sp>
+      <p:sp>
+        <p:nvSpPr>
+          <p:cNvPr id="1034" name="TextBox 1033">
+            <a:extLst>
+              <a:ext uri="{FF2B5EF4-FFF2-40B4-BE49-F238E27FC236}">
+                <a16:creationId xmlns:a16="http://schemas.microsoft.com/office/drawing/2014/main" id="{FC339043-38D3-F3E7-0697-167C08D47BEE}"/>
+              </a:ext>
+            </a:extLst>
+          </p:cNvPr>
+          <p:cNvSpPr txBox="1"/>
           <p:nvPr/>
         </p:nvSpPr>
         <p:spPr>
           <a:xfrm>
-            <a:off x="7460996" y="1357213"/>
-            <a:ext cx="1387838" cy="678405"/>
-          </a:xfrm>
-          <a:prstGeom prst="cloudCallout">
-            <a:avLst>
-              <a:gd name="adj1" fmla="val 55242"/>
-              <a:gd name="adj2" fmla="val 72227"/>
-            </a:avLst>
+            <a:off x="11153527" y="6220277"/>
+            <a:ext cx="1015021" cy="369332"/>
+          </a:xfrm>
+          <a:prstGeom prst="rect">
+            <a:avLst/>
           </a:prstGeom>
-        </p:spPr>
-        <p:style>
-          <a:lnRef idx="2">
-            <a:schemeClr val="accent1">
-              <a:shade val="50000"/>
-            </a:schemeClr>
-          </a:lnRef>
-          <a:fillRef idx="1">
-            <a:schemeClr val="accent1"/>
-          </a:fillRef>
-          <a:effectRef idx="0">
-            <a:schemeClr val="accent1"/>
-          </a:effectRef>
-          <a:fontRef idx="minor">
-            <a:schemeClr val="lt1"/>
-          </a:fontRef>
-        </p:style>
-        <p:txBody>
-          <a:bodyPr rtlCol="0" anchor="ctr"/>
-          <a:lstStyle/>
-          <a:p>
-            <a:pPr algn="ctr"/>
-            <a:endParaRPr lang="en-US"/>
+          <a:noFill/>
+        </p:spPr>
+        <p:txBody>
+          <a:bodyPr wrap="none" rtlCol="0">
+            <a:spAutoFit/>
+          </a:bodyPr>
+          <a:lstStyle/>
+          <a:p>
+            <a:r>
+              <a:rPr lang="en-US" dirty="0">
+                <a:highlight>
+                  <a:srgbClr val="FFFF00"/>
+                </a:highlight>
+              </a:rPr>
+              <a:t>A video !</a:t>
+            </a:r>
           </a:p>
         </p:txBody>
       </p:sp>
@@ -5688,6 +6083,141 @@
   <p:clrMapOvr>
     <a:masterClrMapping/>
   </p:clrMapOvr>
+  <p:timing>
+    <p:tnLst>
+      <p:par>
+        <p:cTn id="1" dur="indefinite" restart="never" nodeType="tmRoot">
+          <p:childTnLst>
+            <p:seq concurrent="1" nextAc="seek">
+              <p:cTn id="2" dur="indefinite" nodeType="mainSeq">
+                <p:childTnLst>
+                  <p:par>
+                    <p:cTn id="3" fill="hold">
+                      <p:stCondLst>
+                        <p:cond delay="indefinite"/>
+                      </p:stCondLst>
+                      <p:childTnLst>
+                        <p:par>
+                          <p:cTn id="4" fill="hold">
+                            <p:stCondLst>
+                              <p:cond delay="0"/>
+                            </p:stCondLst>
+                            <p:childTnLst>
+                              <p:par>
+                                <p:cTn id="5" presetID="1" presetClass="mediacall" presetSubtype="0" fill="hold" nodeType="clickEffect">
+                                  <p:stCondLst>
+                                    <p:cond delay="0"/>
+                                  </p:stCondLst>
+                                  <p:childTnLst>
+                                    <p:cmd type="call" cmd="playFrom(0.0)">
+                                      <p:cBhvr>
+                                        <p:cTn id="6" dur="12908" fill="hold"/>
+                                        <p:tgtEl>
+                                          <p:spTgt spid="59"/>
+                                        </p:tgtEl>
+                                      </p:cBhvr>
+                                    </p:cmd>
+                                  </p:childTnLst>
+                                </p:cTn>
+                              </p:par>
+                            </p:childTnLst>
+                          </p:cTn>
+                        </p:par>
+                      </p:childTnLst>
+                    </p:cTn>
+                  </p:par>
+                </p:childTnLst>
+              </p:cTn>
+              <p:prevCondLst>
+                <p:cond evt="onPrev" delay="0">
+                  <p:tgtEl>
+                    <p:sldTgt/>
+                  </p:tgtEl>
+                </p:cond>
+              </p:prevCondLst>
+              <p:nextCondLst>
+                <p:cond evt="onNext" delay="0">
+                  <p:tgtEl>
+                    <p:sldTgt/>
+                  </p:tgtEl>
+                </p:cond>
+              </p:nextCondLst>
+            </p:seq>
+            <p:video>
+              <p:cMediaNode vol="80000">
+                <p:cTn id="7" fill="hold" display="0">
+                  <p:stCondLst>
+                    <p:cond delay="indefinite"/>
+                  </p:stCondLst>
+                </p:cTn>
+                <p:tgtEl>
+                  <p:spTgt spid="59"/>
+                </p:tgtEl>
+              </p:cMediaNode>
+            </p:video>
+            <p:seq concurrent="1" nextAc="seek">
+              <p:cTn id="8" restart="whenNotActive" fill="hold" evtFilter="cancelBubble" nodeType="interactiveSeq">
+                <p:stCondLst>
+                  <p:cond evt="onClick" delay="0">
+                    <p:tgtEl>
+                      <p:spTgt spid="59"/>
+                    </p:tgtEl>
+                  </p:cond>
+                </p:stCondLst>
+                <p:endSync evt="end" delay="0">
+                  <p:rtn val="all"/>
+                </p:endSync>
+                <p:childTnLst>
+                  <p:par>
+                    <p:cTn id="9" fill="hold">
+                      <p:stCondLst>
+                        <p:cond delay="0"/>
+                      </p:stCondLst>
+                      <p:childTnLst>
+                        <p:par>
+                          <p:cTn id="10" fill="hold">
+                            <p:stCondLst>
+                              <p:cond delay="0"/>
+                            </p:stCondLst>
+                            <p:childTnLst>
+                              <p:par>
+                                <p:cTn id="11" presetID="2" presetClass="mediacall" presetSubtype="0" fill="hold" nodeType="clickEffect">
+                                  <p:stCondLst>
+                                    <p:cond delay="0"/>
+                                  </p:stCondLst>
+                                  <p:childTnLst>
+                                    <p:cmd type="call" cmd="togglePause">
+                                      <p:cBhvr>
+                                        <p:cTn id="12" dur="1" fill="hold"/>
+                                        <p:tgtEl>
+                                          <p:spTgt spid="59"/>
+                                        </p:tgtEl>
+                                      </p:cBhvr>
+                                    </p:cmd>
+                                  </p:childTnLst>
+                                </p:cTn>
+                              </p:par>
+                            </p:childTnLst>
+                          </p:cTn>
+                        </p:par>
+                      </p:childTnLst>
+                    </p:cTn>
+                  </p:par>
+                </p:childTnLst>
+              </p:cTn>
+              <p:nextCondLst>
+                <p:cond evt="onClick" delay="0">
+                  <p:tgtEl>
+                    <p:spTgt spid="59"/>
+                  </p:tgtEl>
+                </p:cond>
+              </p:nextCondLst>
+            </p:seq>
+          </p:childTnLst>
+        </p:cTn>
+      </p:par>
+    </p:tnLst>
+  </p:timing>
 </p:sld>
 </file>
 
